--- a/docs/Defense PowerPoint by Wesley Cassel.pptx
+++ b/docs/Defense PowerPoint by Wesley Cassel.pptx
@@ -6000,7 +6000,7 @@
           <a:p>
             <a:fld id="{BE15D171-3E31-46D8-B343-64F5025B8F12}" type="datetimeFigureOut">
               <a:rPr lang="en-US" smtClean="0"/>
-              <a:t>4/1/2025</a:t>
+              <a:t>4/2/2025</a:t>
             </a:fld>
             <a:endParaRPr lang="en-US"/>
           </a:p>
@@ -6498,7 +6498,7 @@
           <a:p>
             <a:fld id="{8E43E73F-8AC3-428E-90FE-2A80EC12228A}" type="datetimeFigureOut">
               <a:rPr lang="en-US" smtClean="0"/>
-              <a:t>4/1/2025</a:t>
+              <a:t>4/2/2025</a:t>
             </a:fld>
             <a:endParaRPr lang="en-US"/>
           </a:p>
@@ -6696,7 +6696,7 @@
           <a:p>
             <a:fld id="{8E43E73F-8AC3-428E-90FE-2A80EC12228A}" type="datetimeFigureOut">
               <a:rPr lang="en-US" smtClean="0"/>
-              <a:t>4/1/2025</a:t>
+              <a:t>4/2/2025</a:t>
             </a:fld>
             <a:endParaRPr lang="en-US"/>
           </a:p>
@@ -6904,7 +6904,7 @@
           <a:p>
             <a:fld id="{8E43E73F-8AC3-428E-90FE-2A80EC12228A}" type="datetimeFigureOut">
               <a:rPr lang="en-US" smtClean="0"/>
-              <a:t>4/1/2025</a:t>
+              <a:t>4/2/2025</a:t>
             </a:fld>
             <a:endParaRPr lang="en-US"/>
           </a:p>
@@ -7102,7 +7102,7 @@
           <a:p>
             <a:fld id="{8E43E73F-8AC3-428E-90FE-2A80EC12228A}" type="datetimeFigureOut">
               <a:rPr lang="en-US" smtClean="0"/>
-              <a:t>4/1/2025</a:t>
+              <a:t>4/2/2025</a:t>
             </a:fld>
             <a:endParaRPr lang="en-US"/>
           </a:p>
@@ -7377,7 +7377,7 @@
           <a:p>
             <a:fld id="{8E43E73F-8AC3-428E-90FE-2A80EC12228A}" type="datetimeFigureOut">
               <a:rPr lang="en-US" smtClean="0"/>
-              <a:t>4/1/2025</a:t>
+              <a:t>4/2/2025</a:t>
             </a:fld>
             <a:endParaRPr lang="en-US"/>
           </a:p>
@@ -7642,7 +7642,7 @@
           <a:p>
             <a:fld id="{8E43E73F-8AC3-428E-90FE-2A80EC12228A}" type="datetimeFigureOut">
               <a:rPr lang="en-US" smtClean="0"/>
-              <a:t>4/1/2025</a:t>
+              <a:t>4/2/2025</a:t>
             </a:fld>
             <a:endParaRPr lang="en-US"/>
           </a:p>
@@ -8054,7 +8054,7 @@
           <a:p>
             <a:fld id="{8E43E73F-8AC3-428E-90FE-2A80EC12228A}" type="datetimeFigureOut">
               <a:rPr lang="en-US" smtClean="0"/>
-              <a:t>4/1/2025</a:t>
+              <a:t>4/2/2025</a:t>
             </a:fld>
             <a:endParaRPr lang="en-US"/>
           </a:p>
@@ -8195,7 +8195,7 @@
           <a:p>
             <a:fld id="{8E43E73F-8AC3-428E-90FE-2A80EC12228A}" type="datetimeFigureOut">
               <a:rPr lang="en-US" smtClean="0"/>
-              <a:t>4/1/2025</a:t>
+              <a:t>4/2/2025</a:t>
             </a:fld>
             <a:endParaRPr lang="en-US"/>
           </a:p>
@@ -8308,7 +8308,7 @@
           <a:p>
             <a:fld id="{8E43E73F-8AC3-428E-90FE-2A80EC12228A}" type="datetimeFigureOut">
               <a:rPr lang="en-US" smtClean="0"/>
-              <a:t>4/1/2025</a:t>
+              <a:t>4/2/2025</a:t>
             </a:fld>
             <a:endParaRPr lang="en-US"/>
           </a:p>
@@ -8619,7 +8619,7 @@
           <a:p>
             <a:fld id="{8E43E73F-8AC3-428E-90FE-2A80EC12228A}" type="datetimeFigureOut">
               <a:rPr lang="en-US" smtClean="0"/>
-              <a:t>4/1/2025</a:t>
+              <a:t>4/2/2025</a:t>
             </a:fld>
             <a:endParaRPr lang="en-US"/>
           </a:p>
@@ -8907,7 +8907,7 @@
           <a:p>
             <a:fld id="{8E43E73F-8AC3-428E-90FE-2A80EC12228A}" type="datetimeFigureOut">
               <a:rPr lang="en-US" smtClean="0"/>
-              <a:t>4/1/2025</a:t>
+              <a:t>4/2/2025</a:t>
             </a:fld>
             <a:endParaRPr lang="en-US"/>
           </a:p>
@@ -9148,7 +9148,7 @@
           <a:p>
             <a:fld id="{8E43E73F-8AC3-428E-90FE-2A80EC12228A}" type="datetimeFigureOut">
               <a:rPr lang="en-US" smtClean="0"/>
-              <a:t>4/1/2025</a:t>
+              <a:t>4/2/2025</a:t>
             </a:fld>
             <a:endParaRPr lang="en-US"/>
           </a:p>
@@ -9792,6 +9792,18 @@
   <p:clrMapOvr>
     <a:overrideClrMapping bg1="dk1" tx1="lt1" bg2="dk2" tx2="lt2" accent1="accent1" accent2="accent2" accent3="accent3" accent4="accent4" accent5="accent5" accent6="accent6" hlink="hlink" folHlink="folHlink"/>
   </p:clrMapOvr>
+  <mc:AlternateContent xmlns:mc="http://schemas.openxmlformats.org/markup-compatibility/2006">
+    <mc:Choice xmlns:p15="http://schemas.microsoft.com/office/powerpoint/2012/main" Requires="p15">
+      <p:transition xmlns:p14="http://schemas.microsoft.com/office/powerpoint/2010/main" spd="slow" p14:dur="6000">
+        <p15:prstTrans prst="curtains"/>
+      </p:transition>
+    </mc:Choice>
+    <mc:Fallback>
+      <p:transition spd="slow">
+        <p:fade/>
+      </p:transition>
+    </mc:Fallback>
+  </mc:AlternateContent>
 </p:sld>
 </file>
 
@@ -9990,6 +10002,9 @@
   <p:clrMapOvr>
     <a:masterClrMapping/>
   </p:clrMapOvr>
+  <p:transition spd="slow">
+    <p:comb/>
+  </p:transition>
 </p:sld>
 </file>
 
@@ -10277,6 +10292,18 @@
   <p:clrMapOvr>
     <a:masterClrMapping/>
   </p:clrMapOvr>
+  <mc:AlternateContent xmlns:mc="http://schemas.openxmlformats.org/markup-compatibility/2006">
+    <mc:Choice xmlns:p14="http://schemas.microsoft.com/office/powerpoint/2010/main" Requires="p14">
+      <p:transition spd="slow" p14:dur="1200">
+        <p14:prism/>
+      </p:transition>
+    </mc:Choice>
+    <mc:Fallback>
+      <p:transition spd="slow">
+        <p:fade/>
+      </p:transition>
+    </mc:Fallback>
+  </mc:AlternateContent>
 </p:sld>
 </file>
 
@@ -10962,6 +10989,18 @@
   <p:clrMapOvr>
     <a:masterClrMapping/>
   </p:clrMapOvr>
+  <mc:AlternateContent xmlns:mc="http://schemas.openxmlformats.org/markup-compatibility/2006">
+    <mc:Choice xmlns:p15="http://schemas.microsoft.com/office/powerpoint/2012/main" Requires="p15">
+      <p:transition xmlns:p14="http://schemas.microsoft.com/office/powerpoint/2010/main" spd="slow" p14:dur="2000">
+        <p15:prstTrans prst="fracture"/>
+      </p:transition>
+    </mc:Choice>
+    <mc:Fallback>
+      <p:transition spd="slow">
+        <p:fade/>
+      </p:transition>
+    </mc:Fallback>
+  </mc:AlternateContent>
 </p:sld>
 </file>
 
@@ -11378,6 +11417,18 @@
   <p:clrMapOvr>
     <a:masterClrMapping/>
   </p:clrMapOvr>
+  <mc:AlternateContent xmlns:mc="http://schemas.openxmlformats.org/markup-compatibility/2006">
+    <mc:Choice xmlns:p15="http://schemas.microsoft.com/office/powerpoint/2012/main" Requires="p15">
+      <p:transition xmlns:p14="http://schemas.microsoft.com/office/powerpoint/2010/main" spd="slow" p14:dur="2000">
+        <p15:prstTrans prst="prestige"/>
+      </p:transition>
+    </mc:Choice>
+    <mc:Fallback>
+      <p:transition spd="slow">
+        <p:fade/>
+      </p:transition>
+    </mc:Fallback>
+  </mc:AlternateContent>
 </p:sld>
 </file>
 
@@ -11476,6 +11527,18 @@
   <p:clrMapOvr>
     <a:masterClrMapping/>
   </p:clrMapOvr>
+  <mc:AlternateContent xmlns:mc="http://schemas.openxmlformats.org/markup-compatibility/2006">
+    <mc:Choice xmlns:p15="http://schemas.microsoft.com/office/powerpoint/2012/main" Requires="p15">
+      <p:transition xmlns:p14="http://schemas.microsoft.com/office/powerpoint/2010/main" spd="slow" p14:dur="3250">
+        <p15:prstTrans prst="origami"/>
+      </p:transition>
+    </mc:Choice>
+    <mc:Fallback>
+      <p:transition spd="slow">
+        <p:fade/>
+      </p:transition>
+    </mc:Fallback>
+  </mc:AlternateContent>
 </p:sld>
 </file>
 
@@ -14566,6 +14629,18 @@
   <p:clrMapOvr>
     <a:masterClrMapping/>
   </p:clrMapOvr>
+  <mc:AlternateContent xmlns:mc="http://schemas.openxmlformats.org/markup-compatibility/2006">
+    <mc:Choice xmlns:p159="http://schemas.microsoft.com/office/powerpoint/2015/09/main" Requires="p159">
+      <p:transition xmlns:p14="http://schemas.microsoft.com/office/powerpoint/2010/main" spd="slow" p14:dur="2000">
+        <p159:morph option="byObject"/>
+      </p:transition>
+    </mc:Choice>
+    <mc:Fallback>
+      <p:transition spd="slow">
+        <p:fade/>
+      </p:transition>
+    </mc:Fallback>
+  </mc:AlternateContent>
 </p:sld>
 </file>
 
@@ -14656,6 +14731,18 @@
   <p:clrMapOvr>
     <a:masterClrMapping/>
   </p:clrMapOvr>
+  <mc:AlternateContent xmlns:mc="http://schemas.openxmlformats.org/markup-compatibility/2006">
+    <mc:Choice xmlns:p14="http://schemas.microsoft.com/office/powerpoint/2010/main" Requires="p14">
+      <p:transition spd="slow" p14:dur="1500">
+        <p:split orient="vert"/>
+      </p:transition>
+    </mc:Choice>
+    <mc:Fallback>
+      <p:transition spd="slow">
+        <p:split orient="vert"/>
+      </p:transition>
+    </mc:Fallback>
+  </mc:AlternateContent>
 </p:sld>
 </file>
 
@@ -15250,6 +15337,9 @@
   <p:clrMapOvr>
     <a:masterClrMapping/>
   </p:clrMapOvr>
+  <p:transition spd="slow">
+    <p:randomBar dir="vert"/>
+  </p:transition>
 </p:sld>
 </file>
 
@@ -15453,6 +15543,18 @@
   <p:clrMapOvr>
     <a:masterClrMapping/>
   </p:clrMapOvr>
+  <mc:AlternateContent xmlns:mc="http://schemas.openxmlformats.org/markup-compatibility/2006">
+    <mc:Choice xmlns:p15="http://schemas.microsoft.com/office/powerpoint/2012/main" Requires="p15">
+      <p:transition xmlns:p14="http://schemas.microsoft.com/office/powerpoint/2010/main" spd="slow" p14:dur="2000">
+        <p15:prstTrans prst="fallOver"/>
+      </p:transition>
+    </mc:Choice>
+    <mc:Fallback>
+      <p:transition spd="slow">
+        <p:fade/>
+      </p:transition>
+    </mc:Fallback>
+  </mc:AlternateContent>
 </p:sld>
 </file>
 
@@ -15766,6 +15868,18 @@
   <p:clrMapOvr>
     <a:masterClrMapping/>
   </p:clrMapOvr>
+  <mc:AlternateContent xmlns:mc="http://schemas.openxmlformats.org/markup-compatibility/2006">
+    <mc:Choice xmlns:p15="http://schemas.microsoft.com/office/powerpoint/2012/main" Requires="p15">
+      <p:transition xmlns:p14="http://schemas.microsoft.com/office/powerpoint/2010/main" spd="slow" p14:dur="2000">
+        <p15:prstTrans prst="drape"/>
+      </p:transition>
+    </mc:Choice>
+    <mc:Fallback>
+      <p:transition spd="slow">
+        <p:fade/>
+      </p:transition>
+    </mc:Fallback>
+  </mc:AlternateContent>
 </p:sld>
 </file>
 
@@ -16726,6 +16840,18 @@
   <p:clrMapOvr>
     <a:masterClrMapping/>
   </p:clrMapOvr>
+  <mc:AlternateContent xmlns:mc="http://schemas.openxmlformats.org/markup-compatibility/2006">
+    <mc:Choice xmlns:p14="http://schemas.microsoft.com/office/powerpoint/2010/main" Requires="p14">
+      <p:transition spd="slow" p14:dur="1600">
+        <p14:prism isInverted="1"/>
+      </p:transition>
+    </mc:Choice>
+    <mc:Fallback>
+      <p:transition spd="slow">
+        <p:fade/>
+      </p:transition>
+    </mc:Fallback>
+  </mc:AlternateContent>
 </p:sld>
 </file>
 
@@ -17176,6 +17302,18 @@
   <p:clrMapOvr>
     <a:masterClrMapping/>
   </p:clrMapOvr>
+  <mc:AlternateContent xmlns:mc="http://schemas.openxmlformats.org/markup-compatibility/2006">
+    <mc:Choice xmlns:p14="http://schemas.microsoft.com/office/powerpoint/2010/main" Requires="p14">
+      <p:transition spd="slow" p14:dur="1400">
+        <p14:ripple/>
+      </p:transition>
+    </mc:Choice>
+    <mc:Fallback>
+      <p:transition spd="slow">
+        <p:fade/>
+      </p:transition>
+    </mc:Fallback>
+  </mc:AlternateContent>
 </p:sld>
 </file>
 
@@ -17931,6 +18069,9 @@
   <p:clrMapOvr>
     <a:masterClrMapping/>
   </p:clrMapOvr>
+  <p:transition spd="med">
+    <p:pull/>
+  </p:transition>
 </p:sld>
 </file>
 
